--- a/DevOps_Presentation.pptx
+++ b/DevOps_Presentation.pptx
@@ -215,7 +215,7 @@
           <a:p>
             <a:fld id="{800B8301-7761-8D41-8387-625A99F4DB13}" type="datetimeFigureOut">
               <a:rPr lang="en-US" smtClean="0"/>
-              <a:t>4/21/17</a:t>
+              <a:t>4/22/17</a:t>
             </a:fld>
             <a:endParaRPr lang="en-US"/>
           </a:p>
@@ -1290,7 +1290,7 @@
             <a:fld id="{B61BEF0D-F0BB-DE4B-95CE-6DB70DBA9567}" type="datetimeFigureOut">
               <a:rPr lang="en-US" dirty="0"/>
               <a:pPr/>
-              <a:t>4/21/17</a:t>
+              <a:t>4/22/17</a:t>
             </a:fld>
             <a:endParaRPr lang="en-US" dirty="0"/>
           </a:p>
@@ -1550,7 +1550,7 @@
             <a:fld id="{B61BEF0D-F0BB-DE4B-95CE-6DB70DBA9567}" type="datetimeFigureOut">
               <a:rPr lang="en-US" dirty="0"/>
               <a:pPr/>
-              <a:t>4/21/17</a:t>
+              <a:t>4/22/17</a:t>
             </a:fld>
             <a:endParaRPr lang="en-US" dirty="0"/>
           </a:p>
@@ -1873,7 +1873,7 @@
             <a:fld id="{B61BEF0D-F0BB-DE4B-95CE-6DB70DBA9567}" type="datetimeFigureOut">
               <a:rPr lang="en-US" dirty="0"/>
               <a:pPr/>
-              <a:t>4/21/17</a:t>
+              <a:t>4/22/17</a:t>
             </a:fld>
             <a:endParaRPr lang="en-US" dirty="0"/>
           </a:p>
@@ -2223,7 +2223,7 @@
             <a:fld id="{B61BEF0D-F0BB-DE4B-95CE-6DB70DBA9567}" type="datetimeFigureOut">
               <a:rPr lang="en-US" dirty="0"/>
               <a:pPr/>
-              <a:t>4/21/17</a:t>
+              <a:t>4/22/17</a:t>
             </a:fld>
             <a:endParaRPr lang="en-US" dirty="0"/>
           </a:p>
@@ -2546,7 +2546,7 @@
             <a:fld id="{B61BEF0D-F0BB-DE4B-95CE-6DB70DBA9567}" type="datetimeFigureOut">
               <a:rPr lang="en-US" dirty="0"/>
               <a:pPr/>
-              <a:t>4/21/17</a:t>
+              <a:t>4/22/17</a:t>
             </a:fld>
             <a:endParaRPr lang="en-US" dirty="0"/>
           </a:p>
@@ -2948,7 +2948,7 @@
             <a:fld id="{B61BEF0D-F0BB-DE4B-95CE-6DB70DBA9567}" type="datetimeFigureOut">
               <a:rPr lang="en-US" dirty="0"/>
               <a:pPr/>
-              <a:t>4/21/17</a:t>
+              <a:t>4/22/17</a:t>
             </a:fld>
             <a:endParaRPr lang="en-US" dirty="0"/>
           </a:p>
@@ -3126,7 +3126,7 @@
           <a:p>
             <a:fld id="{55C6B4A9-1611-4792-9094-5F34BCA07E0B}" type="datetimeFigureOut">
               <a:rPr lang="en-US" dirty="0"/>
-              <a:t>4/21/17</a:t>
+              <a:t>4/22/17</a:t>
             </a:fld>
             <a:endParaRPr lang="en-US" dirty="0"/>
           </a:p>
@@ -3314,7 +3314,7 @@
             <a:fld id="{B61BEF0D-F0BB-DE4B-95CE-6DB70DBA9567}" type="datetimeFigureOut">
               <a:rPr lang="en-US" dirty="0"/>
               <a:pPr/>
-              <a:t>4/21/17</a:t>
+              <a:t>4/22/17</a:t>
             </a:fld>
             <a:endParaRPr lang="en-US" dirty="0"/>
           </a:p>
@@ -3499,7 +3499,7 @@
             <a:fld id="{B61BEF0D-F0BB-DE4B-95CE-6DB70DBA9567}" type="datetimeFigureOut">
               <a:rPr lang="en-US" dirty="0"/>
               <a:pPr/>
-              <a:t>4/21/17</a:t>
+              <a:t>4/22/17</a:t>
             </a:fld>
             <a:endParaRPr lang="en-US" dirty="0"/>
           </a:p>
@@ -3755,7 +3755,7 @@
             <a:fld id="{B61BEF0D-F0BB-DE4B-95CE-6DB70DBA9567}" type="datetimeFigureOut">
               <a:rPr lang="en-US" dirty="0"/>
               <a:pPr/>
-              <a:t>4/21/17</a:t>
+              <a:t>4/22/17</a:t>
             </a:fld>
             <a:endParaRPr lang="en-US" dirty="0"/>
           </a:p>
@@ -3995,7 +3995,7 @@
           <a:p>
             <a:fld id="{EB712588-04B1-427B-82EE-E8DB90309F08}" type="datetimeFigureOut">
               <a:rPr lang="en-US" dirty="0"/>
-              <a:t>4/21/17</a:t>
+              <a:t>4/22/17</a:t>
             </a:fld>
             <a:endParaRPr lang="en-US" dirty="0"/>
           </a:p>
@@ -4377,7 +4377,7 @@
             <a:fld id="{B61BEF0D-F0BB-DE4B-95CE-6DB70DBA9567}" type="datetimeFigureOut">
               <a:rPr lang="en-US" dirty="0"/>
               <a:pPr/>
-              <a:t>4/21/17</a:t>
+              <a:t>4/22/17</a:t>
             </a:fld>
             <a:endParaRPr lang="en-US" dirty="0"/>
           </a:p>
@@ -4509,7 +4509,7 @@
             <a:fld id="{B61BEF0D-F0BB-DE4B-95CE-6DB70DBA9567}" type="datetimeFigureOut">
               <a:rPr lang="en-US" dirty="0"/>
               <a:pPr/>
-              <a:t>4/21/17</a:t>
+              <a:t>4/22/17</a:t>
             </a:fld>
             <a:endParaRPr lang="en-US" dirty="0"/>
           </a:p>
@@ -4613,7 +4613,7 @@
             <a:fld id="{B61BEF0D-F0BB-DE4B-95CE-6DB70DBA9567}" type="datetimeFigureOut">
               <a:rPr lang="en-US" dirty="0"/>
               <a:pPr/>
-              <a:t>4/21/17</a:t>
+              <a:t>4/22/17</a:t>
             </a:fld>
             <a:endParaRPr lang="en-US" dirty="0"/>
           </a:p>
@@ -4876,7 +4876,7 @@
           <a:p>
             <a:fld id="{42A54C80-263E-416B-A8E0-580EDEADCBDC}" type="datetimeFigureOut">
               <a:rPr lang="en-US" dirty="0"/>
-              <a:t>4/21/17</a:t>
+              <a:t>4/22/17</a:t>
             </a:fld>
             <a:endParaRPr lang="en-US" dirty="0"/>
           </a:p>
@@ -5147,7 +5147,7 @@
             <a:fld id="{B61BEF0D-F0BB-DE4B-95CE-6DB70DBA9567}" type="datetimeFigureOut">
               <a:rPr lang="en-US" dirty="0"/>
               <a:pPr/>
-              <a:t>4/21/17</a:t>
+              <a:t>4/22/17</a:t>
             </a:fld>
             <a:endParaRPr lang="en-US" dirty="0"/>
           </a:p>
@@ -5899,7 +5899,7 @@
             <a:fld id="{B61BEF0D-F0BB-DE4B-95CE-6DB70DBA9567}" type="datetimeFigureOut">
               <a:rPr lang="en-US" dirty="0"/>
               <a:pPr/>
-              <a:t>4/21/17</a:t>
+              <a:t>4/22/17</a:t>
             </a:fld>
             <a:endParaRPr lang="en-US" dirty="0"/>
           </a:p>
@@ -6471,7 +6471,17 @@
           <a:p>
             <a:r>
               <a:rPr lang="en-US" dirty="0" smtClean="0"/>
-              <a:t>By Jorge Cotillo</a:t>
+              <a:t>By Jorge </a:t>
+            </a:r>
+            <a:r>
+              <a:rPr lang="en-US" dirty="0" smtClean="0"/>
+              <a:t>Cotillo</a:t>
+            </a:r>
+          </a:p>
+          <a:p>
+            <a:r>
+              <a:rPr lang="en-US" dirty="0" smtClean="0"/>
+              <a:t>Technical Architect at Centric Consulting</a:t>
             </a:r>
             <a:endParaRPr lang="en-US" dirty="0"/>
           </a:p>
@@ -6893,45 +6903,25 @@
           <a:p>
             <a:r>
               <a:rPr lang="en-US" dirty="0" smtClean="0"/>
-              <a:t>Minimizes: It </a:t>
-            </a:r>
+              <a:t>Minimizes: It works on my computer!</a:t>
+            </a:r>
+          </a:p>
+          <a:p>
             <a:r>
               <a:rPr lang="en-US" dirty="0" smtClean="0"/>
-              <a:t>works on my computer</a:t>
-            </a:r>
+              <a:t>JSON representation of the infrastructure</a:t>
+            </a:r>
+          </a:p>
+          <a:p>
             <a:r>
               <a:rPr lang="en-US" dirty="0" smtClean="0"/>
-              <a:t>!</a:t>
+              <a:t>Provisions your infrastructure</a:t>
             </a:r>
           </a:p>
           <a:p>
             <a:r>
               <a:rPr lang="en-US" dirty="0" smtClean="0"/>
-              <a:t>JSON </a:t>
-            </a:r>
-            <a:r>
-              <a:rPr lang="en-US" dirty="0" smtClean="0"/>
-              <a:t>representation of the infrastructure</a:t>
-            </a:r>
-          </a:p>
-          <a:p>
-            <a:r>
-              <a:rPr lang="en-US" dirty="0" smtClean="0"/>
-              <a:t>Provisions your </a:t>
-            </a:r>
-            <a:r>
-              <a:rPr lang="en-US" dirty="0" smtClean="0"/>
-              <a:t>infrastructure</a:t>
-            </a:r>
-          </a:p>
-          <a:p>
-            <a:r>
-              <a:rPr lang="en-US" dirty="0" smtClean="0"/>
-              <a:t>Two </a:t>
-            </a:r>
-            <a:r>
-              <a:rPr lang="en-US" dirty="0" smtClean="0"/>
-              <a:t>types: Imperative (JSON file that gets ingested) and Declarative (</a:t>
+              <a:t>Two types: Imperative (JSON file that gets ingested) and Declarative (</a:t>
             </a:r>
             <a:r>
               <a:rPr lang="en-US" dirty="0" err="1" smtClean="0"/>
@@ -8060,15 +8050,7 @@
           <a:p>
             <a:r>
               <a:rPr lang="en-US" dirty="0" smtClean="0"/>
-              <a:t>Ensures </a:t>
-            </a:r>
-            <a:r>
-              <a:rPr lang="en-US" dirty="0" smtClean="0"/>
-              <a:t>that the </a:t>
-            </a:r>
-            <a:r>
-              <a:rPr lang="en-US" dirty="0" smtClean="0"/>
-              <a:t>quality of the package is not compromised</a:t>
+              <a:t>Ensures that the quality of the package is not compromised</a:t>
             </a:r>
           </a:p>
           <a:p>
@@ -8224,22 +8206,13 @@
             </a:r>
             <a:r>
               <a:rPr lang="en-US" dirty="0" smtClean="0"/>
-              <a:t>, </a:t>
-            </a:r>
+              <a:t>, Junit, MSTEST</a:t>
+            </a:r>
+          </a:p>
+          <a:p>
             <a:r>
               <a:rPr lang="en-US" dirty="0" smtClean="0"/>
-              <a:t>Junit, MSTEST</a:t>
-            </a:r>
-            <a:endParaRPr lang="en-US" dirty="0" smtClean="0"/>
-          </a:p>
-          <a:p>
-            <a:r>
-              <a:rPr lang="en-US" dirty="0" smtClean="0"/>
-              <a:t>UI testing tools: </a:t>
-            </a:r>
-            <a:r>
-              <a:rPr lang="en-US" dirty="0" smtClean="0"/>
-              <a:t>Selenium</a:t>
+              <a:t>UI testing tools: Selenium</a:t>
             </a:r>
           </a:p>
           <a:p>
@@ -8253,7 +8226,6 @@
               <a:rPr lang="en-US" dirty="0" smtClean="0"/>
               <a:t>Minimizes the possibility of integration bugs</a:t>
             </a:r>
-            <a:endParaRPr lang="en-US" dirty="0" smtClean="0"/>
           </a:p>
           <a:p>
             <a:endParaRPr lang="en-US" dirty="0"/>
@@ -8558,7 +8530,30 @@
           <a:bodyPr/>
           <a:lstStyle/>
           <a:p>
-            <a:endParaRPr lang="en-US"/>
+            <a:r>
+              <a:rPr lang="en-US" dirty="0" smtClean="0"/>
+              <a:t>Email: </a:t>
+            </a:r>
+            <a:r>
+              <a:rPr lang="en-US" dirty="0" smtClean="0">
+                <a:hlinkClick r:id="rId2"/>
+              </a:rPr>
+              <a:t>jorge.cotillo@centricconsulting.com</a:t>
+            </a:r>
+            <a:endParaRPr lang="en-US" dirty="0" smtClean="0"/>
+          </a:p>
+          <a:p>
+            <a:r>
+              <a:rPr lang="en-US" dirty="0" smtClean="0"/>
+              <a:t>Twitter: </a:t>
+            </a:r>
+            <a:r>
+              <a:rPr lang="en-US" dirty="0">
+                <a:hlinkClick r:id="rId3"/>
+              </a:rPr>
+              <a:t>@jorge_cotillo</a:t>
+            </a:r>
+            <a:endParaRPr lang="en-US" dirty="0"/>
           </a:p>
         </p:txBody>
       </p:sp>
